--- a/doc/diagram.pptx
+++ b/doc/diagram.pptx
@@ -2673,7 +2673,7 @@
               </a:lnSpc>
             </a:pPr>
             <a:r>
-              <a:rPr lang="en-US" sz="1800" b="1" strike="noStrike" spc="-1" dirty="0" err="1">
+              <a:rPr lang="en-US" sz="1800" b="1" strike="noStrike" spc="-1" dirty="0">
                 <a:solidFill>
                   <a:srgbClr val="FFFFFF"/>
                 </a:solidFill>
@@ -2746,7 +2746,7 @@
               </a:lnSpc>
             </a:pPr>
             <a:r>
-              <a:rPr lang="en-US" sz="1800" b="1" strike="noStrike" spc="-1" dirty="0" err="1">
+              <a:rPr lang="en-US" sz="1800" b="1" strike="noStrike" spc="-1" dirty="0">
                 <a:solidFill>
                   <a:srgbClr val="FFFFFF"/>
                 </a:solidFill>
@@ -2754,12 +2754,6 @@
               </a:rPr>
               <a:t>Paraview</a:t>
             </a:r>
-            <a:endParaRPr lang="en-US" sz="1800" b="1" strike="noStrike" spc="-1" dirty="0">
-              <a:solidFill>
-                <a:srgbClr val="FFFFFF"/>
-              </a:solidFill>
-              <a:latin typeface="Calibri"/>
-            </a:endParaRPr>
           </a:p>
           <a:p>
             <a:pPr algn="ctr">

--- a/doc/diagram.pptx
+++ b/doc/diagram.pptx
@@ -197,7 +197,7 @@
           <a:p>
             <a:fld id="{3643305F-3A43-FD4B-9534-CDDF7C037015}" type="datetimeFigureOut">
               <a:rPr lang="en-US" smtClean="0"/>
-              <a:t>5/2/22</a:t>
+              <a:t>6/14/22</a:t>
             </a:fld>
             <a:endParaRPr lang="en-US"/>
           </a:p>
@@ -2066,7 +2066,7 @@
                 </a:solidFill>
                 <a:latin typeface="Calibri"/>
               </a:rPr>
-              <a:t>5/2/22</a:t>
+              <a:t>6/14/22</a:t>
             </a:fld>
             <a:endParaRPr lang="en-US" sz="1200" b="0" strike="noStrike" spc="-1">
               <a:latin typeface="Times New Roman"/>
@@ -2465,53 +2465,6 @@
       </p:grpSpPr>
       <p:sp>
         <p:nvSpPr>
-          <p:cNvPr id="12" name="CustomShape 2">
-            <a:extLst>
-              <a:ext uri="{FF2B5EF4-FFF2-40B4-BE49-F238E27FC236}">
-                <a16:creationId xmlns:a16="http://schemas.microsoft.com/office/drawing/2014/main" id="{2D1DCE04-32CA-FA40-9A5C-D72C9DC2B8DD}"/>
-              </a:ext>
-            </a:extLst>
-          </p:cNvPr>
-          <p:cNvSpPr/>
-          <p:nvPr/>
-        </p:nvSpPr>
-        <p:spPr>
-          <a:xfrm>
-            <a:off x="8564760" y="2771902"/>
-            <a:ext cx="709920" cy="437400"/>
-          </a:xfrm>
-          <a:prstGeom prst="rightArrow">
-            <a:avLst>
-              <a:gd name="adj1" fmla="val 50000"/>
-              <a:gd name="adj2" fmla="val 50000"/>
-            </a:avLst>
-          </a:prstGeom>
-          <a:solidFill>
-            <a:schemeClr val="bg1"/>
-          </a:solidFill>
-          <a:ln>
-            <a:solidFill>
-              <a:schemeClr val="tx1"/>
-            </a:solidFill>
-          </a:ln>
-        </p:spPr>
-        <p:style>
-          <a:lnRef idx="2">
-            <a:schemeClr val="accent1">
-              <a:shade val="50000"/>
-            </a:schemeClr>
-          </a:lnRef>
-          <a:fillRef idx="1">
-            <a:schemeClr val="accent1"/>
-          </a:fillRef>
-          <a:effectRef idx="0">
-            <a:schemeClr val="accent1"/>
-          </a:effectRef>
-          <a:fontRef idx="minor"/>
-        </p:style>
-      </p:sp>
-      <p:sp>
-        <p:nvSpPr>
           <p:cNvPr id="41" name="CustomShape 2"/>
           <p:cNvSpPr/>
           <p:nvPr/>
@@ -2871,7 +2824,7 @@
         </p:nvSpPr>
         <p:spPr>
           <a:xfrm>
-            <a:off x="9274680" y="2396880"/>
+            <a:off x="7376760" y="2396880"/>
             <a:ext cx="1371600" cy="1143000"/>
           </a:xfrm>
           <a:prstGeom prst="rect">
@@ -2936,49 +2889,6 @@
           </a:p>
         </p:txBody>
       </p:sp>
-      <p:pic>
-        <p:nvPicPr>
-          <p:cNvPr id="4" name="Picture 3">
-            <a:extLst>
-              <a:ext uri="{FF2B5EF4-FFF2-40B4-BE49-F238E27FC236}">
-                <a16:creationId xmlns:a16="http://schemas.microsoft.com/office/drawing/2014/main" id="{F3749F20-7AA7-A536-4D90-ACA728D174D6}"/>
-              </a:ext>
-            </a:extLst>
-          </p:cNvPr>
-          <p:cNvPicPr>
-            <a:picLocks noChangeAspect="1"/>
-          </p:cNvPicPr>
-          <p:nvPr/>
-        </p:nvPicPr>
-        <p:blipFill>
-          <a:blip r:embed="rId2">
-            <a:extLst>
-              <a:ext uri="{28A0092B-C50C-407E-A947-70E740481C1C}">
-                <a14:useLocalDpi xmlns:a14="http://schemas.microsoft.com/office/drawing/2010/main" val="0"/>
-              </a:ext>
-            </a:extLst>
-          </a:blip>
-          <a:stretch>
-            <a:fillRect/>
-          </a:stretch>
-        </p:blipFill>
-        <p:spPr>
-          <a:xfrm>
-            <a:off x="7363860" y="2396880"/>
-            <a:ext cx="1310780" cy="1143000"/>
-          </a:xfrm>
-          <a:prstGeom prst="rect">
-            <a:avLst/>
-          </a:prstGeom>
-          <a:ln w="25400">
-            <a:solidFill>
-              <a:schemeClr val="accent1">
-                <a:shade val="50000"/>
-              </a:schemeClr>
-            </a:solidFill>
-          </a:ln>
-        </p:spPr>
-      </p:pic>
     </p:spTree>
   </p:cSld>
   <p:clrMapOvr>
